--- a/110122124  VO BAO NGOC.pptx
+++ b/110122124  VO BAO NGOC.pptx
@@ -8585,6 +8585,13 @@
   <p:clrMapOvr>
     <a:masterClrMapping/>
   </p:clrMapOvr>
+  <p:timing>
+    <p:tnLst>
+      <p:par>
+        <p:cTn id="1" dur="indefinite" restart="never" nodeType="tmRoot"/>
+      </p:par>
+    </p:tnLst>
+  </p:timing>
   <p:extLst mod="1">
     <p:ext uri="{DCECCB84-F9BA-43D5-87BE-67443E8EF086}">
       <p15:sldGuideLst xmlns:p15="http://schemas.microsoft.com/office/powerpoint/2012/main">
@@ -16787,80 +16794,628 @@
           <a:p>
             <a:r>
               <a:rPr lang="vi-VN" b="1"/>
-              <a:t>Giảm tương tác trực tiếp</a:t>
-            </a:r>
-          </a:p>
-          <a:p>
-            <a:r>
-              <a:rPr lang="en-US" b="1"/>
-              <a:t>Bắt nạt </a:t>
-            </a:r>
-            <a:r>
-              <a:rPr lang="en-US" b="1"/>
+              <a:t>Giảm tương tác </a:t>
+            </a:r>
+            <a:r>
+              <a:rPr lang="vi-VN" b="1"/>
+              <a:t>trực </a:t>
+            </a:r>
+            <a:r>
+              <a:rPr lang="vi-VN" b="1" smtClean="0"/>
+              <a:t>tiếp</a:t>
+            </a:r>
+            <a:endParaRPr lang="en-US" b="1" smtClean="0"/>
+          </a:p>
+          <a:p>
+            <a:r>
+              <a:rPr lang="en-US" b="1" smtClean="0">
+                <a:latin typeface="Tahoma" panose="020B0604030504040204" pitchFamily="34" charset="0"/>
+                <a:ea typeface="Tahoma" panose="020B0604030504040204" pitchFamily="34" charset="0"/>
+                <a:cs typeface="Tahoma" panose="020B0604030504040204" pitchFamily="34" charset="0"/>
+              </a:rPr>
+              <a:t>Bắt </a:t>
+            </a:r>
+            <a:r>
+              <a:rPr lang="en-US" b="1" dirty="0" err="1">
+                <a:latin typeface="Tahoma" panose="020B0604030504040204" pitchFamily="34" charset="0"/>
+                <a:ea typeface="Tahoma" panose="020B0604030504040204" pitchFamily="34" charset="0"/>
+                <a:cs typeface="Tahoma" panose="020B0604030504040204" pitchFamily="34" charset="0"/>
+              </a:rPr>
+              <a:t>nạt</a:t>
+            </a:r>
+            <a:r>
+              <a:rPr lang="en-US" b="1" dirty="0">
+                <a:latin typeface="Tahoma" panose="020B0604030504040204" pitchFamily="34" charset="0"/>
+                <a:ea typeface="Tahoma" panose="020B0604030504040204" pitchFamily="34" charset="0"/>
+                <a:cs typeface="Tahoma" panose="020B0604030504040204" pitchFamily="34" charset="0"/>
+              </a:rPr>
+              <a:t> </a:t>
+            </a:r>
+            <a:r>
+              <a:rPr lang="en-US" b="1">
+                <a:latin typeface="Tahoma" panose="020B0604030504040204" pitchFamily="34" charset="0"/>
+                <a:ea typeface="Tahoma" panose="020B0604030504040204" pitchFamily="34" charset="0"/>
+                <a:cs typeface="Tahoma" panose="020B0604030504040204" pitchFamily="34" charset="0"/>
+              </a:rPr>
               <a:t>qua </a:t>
             </a:r>
             <a:r>
-              <a:rPr lang="en-US" b="1" smtClean="0"/>
+              <a:rPr lang="en-US" b="1" smtClean="0">
+                <a:latin typeface="Tahoma" panose="020B0604030504040204" pitchFamily="34" charset="0"/>
+                <a:ea typeface="Tahoma" panose="020B0604030504040204" pitchFamily="34" charset="0"/>
+                <a:cs typeface="Tahoma" panose="020B0604030504040204" pitchFamily="34" charset="0"/>
+              </a:rPr>
               <a:t>mạng</a:t>
             </a:r>
           </a:p>
           <a:p>
             <a:r>
-              <a:rPr lang="en-US" b="1"/>
-              <a:t>Tác hại của mạng xã hội khiến bạn suy nghĩ tiêu cực</a:t>
-            </a:r>
-          </a:p>
-          <a:p>
-            <a:r>
-              <a:rPr lang="en-US" b="1"/>
-              <a:t>Tác hại của mạng xã hội khiến bạn trở nên tự ti</a:t>
-            </a:r>
-          </a:p>
-          <a:p>
-            <a:r>
-              <a:rPr lang="en-US" b="1" smtClean="0"/>
-              <a:t>Tác hại của mạng xã hội làm bạn mất ngủ</a:t>
-            </a:r>
-          </a:p>
-          <a:p>
-            <a:r>
-              <a:rPr lang="vi-VN" b="1" smtClean="0"/>
+              <a:rPr lang="en-US" b="1" smtClean="0">
+                <a:latin typeface="Tahoma" panose="020B0604030504040204" pitchFamily="34" charset="0"/>
+                <a:ea typeface="Tahoma" panose="020B0604030504040204" pitchFamily="34" charset="0"/>
+                <a:cs typeface="Tahoma" panose="020B0604030504040204" pitchFamily="34" charset="0"/>
+              </a:rPr>
+              <a:t>Tác </a:t>
+            </a:r>
+            <a:r>
+              <a:rPr lang="en-US" b="1" dirty="0" err="1">
+                <a:latin typeface="Tahoma" panose="020B0604030504040204" pitchFamily="34" charset="0"/>
+                <a:ea typeface="Tahoma" panose="020B0604030504040204" pitchFamily="34" charset="0"/>
+                <a:cs typeface="Tahoma" panose="020B0604030504040204" pitchFamily="34" charset="0"/>
+              </a:rPr>
+              <a:t>hại</a:t>
+            </a:r>
+            <a:r>
+              <a:rPr lang="en-US" b="1" dirty="0">
+                <a:latin typeface="Tahoma" panose="020B0604030504040204" pitchFamily="34" charset="0"/>
+                <a:ea typeface="Tahoma" panose="020B0604030504040204" pitchFamily="34" charset="0"/>
+                <a:cs typeface="Tahoma" panose="020B0604030504040204" pitchFamily="34" charset="0"/>
+              </a:rPr>
+              <a:t> </a:t>
+            </a:r>
+            <a:r>
+              <a:rPr lang="en-US" b="1" dirty="0" err="1">
+                <a:latin typeface="Tahoma" panose="020B0604030504040204" pitchFamily="34" charset="0"/>
+                <a:ea typeface="Tahoma" panose="020B0604030504040204" pitchFamily="34" charset="0"/>
+                <a:cs typeface="Tahoma" panose="020B0604030504040204" pitchFamily="34" charset="0"/>
+              </a:rPr>
+              <a:t>của</a:t>
+            </a:r>
+            <a:r>
+              <a:rPr lang="en-US" b="1" dirty="0">
+                <a:latin typeface="Tahoma" panose="020B0604030504040204" pitchFamily="34" charset="0"/>
+                <a:ea typeface="Tahoma" panose="020B0604030504040204" pitchFamily="34" charset="0"/>
+                <a:cs typeface="Tahoma" panose="020B0604030504040204" pitchFamily="34" charset="0"/>
+              </a:rPr>
+              <a:t> </a:t>
+            </a:r>
+            <a:r>
+              <a:rPr lang="en-US" b="1" dirty="0" err="1">
+                <a:latin typeface="Tahoma" panose="020B0604030504040204" pitchFamily="34" charset="0"/>
+                <a:ea typeface="Tahoma" panose="020B0604030504040204" pitchFamily="34" charset="0"/>
+                <a:cs typeface="Tahoma" panose="020B0604030504040204" pitchFamily="34" charset="0"/>
+              </a:rPr>
+              <a:t>mạng</a:t>
+            </a:r>
+            <a:r>
+              <a:rPr lang="en-US" b="1" dirty="0">
+                <a:latin typeface="Tahoma" panose="020B0604030504040204" pitchFamily="34" charset="0"/>
+                <a:ea typeface="Tahoma" panose="020B0604030504040204" pitchFamily="34" charset="0"/>
+                <a:cs typeface="Tahoma" panose="020B0604030504040204" pitchFamily="34" charset="0"/>
+              </a:rPr>
+              <a:t> </a:t>
+            </a:r>
+            <a:r>
+              <a:rPr lang="en-US" b="1" dirty="0" err="1">
+                <a:latin typeface="Tahoma" panose="020B0604030504040204" pitchFamily="34" charset="0"/>
+                <a:ea typeface="Tahoma" panose="020B0604030504040204" pitchFamily="34" charset="0"/>
+                <a:cs typeface="Tahoma" panose="020B0604030504040204" pitchFamily="34" charset="0"/>
+              </a:rPr>
+              <a:t>xã</a:t>
+            </a:r>
+            <a:r>
+              <a:rPr lang="en-US" b="1" dirty="0">
+                <a:latin typeface="Tahoma" panose="020B0604030504040204" pitchFamily="34" charset="0"/>
+                <a:ea typeface="Tahoma" panose="020B0604030504040204" pitchFamily="34" charset="0"/>
+                <a:cs typeface="Tahoma" panose="020B0604030504040204" pitchFamily="34" charset="0"/>
+              </a:rPr>
+              <a:t> </a:t>
+            </a:r>
+            <a:r>
+              <a:rPr lang="en-US" b="1" dirty="0" err="1">
+                <a:latin typeface="Tahoma" panose="020B0604030504040204" pitchFamily="34" charset="0"/>
+                <a:ea typeface="Tahoma" panose="020B0604030504040204" pitchFamily="34" charset="0"/>
+                <a:cs typeface="Tahoma" panose="020B0604030504040204" pitchFamily="34" charset="0"/>
+              </a:rPr>
+              <a:t>hội</a:t>
+            </a:r>
+            <a:r>
+              <a:rPr lang="en-US" b="1" dirty="0">
+                <a:latin typeface="Tahoma" panose="020B0604030504040204" pitchFamily="34" charset="0"/>
+                <a:ea typeface="Tahoma" panose="020B0604030504040204" pitchFamily="34" charset="0"/>
+                <a:cs typeface="Tahoma" panose="020B0604030504040204" pitchFamily="34" charset="0"/>
+              </a:rPr>
+              <a:t> </a:t>
+            </a:r>
+            <a:r>
+              <a:rPr lang="en-US" b="1" dirty="0" err="1">
+                <a:latin typeface="Tahoma" panose="020B0604030504040204" pitchFamily="34" charset="0"/>
+                <a:ea typeface="Tahoma" panose="020B0604030504040204" pitchFamily="34" charset="0"/>
+                <a:cs typeface="Tahoma" panose="020B0604030504040204" pitchFamily="34" charset="0"/>
+              </a:rPr>
+              <a:t>khiến</a:t>
+            </a:r>
+            <a:r>
+              <a:rPr lang="en-US" b="1" dirty="0">
+                <a:latin typeface="Tahoma" panose="020B0604030504040204" pitchFamily="34" charset="0"/>
+                <a:ea typeface="Tahoma" panose="020B0604030504040204" pitchFamily="34" charset="0"/>
+                <a:cs typeface="Tahoma" panose="020B0604030504040204" pitchFamily="34" charset="0"/>
+              </a:rPr>
+              <a:t> </a:t>
+            </a:r>
+            <a:r>
+              <a:rPr lang="en-US" b="1" dirty="0" err="1">
+                <a:latin typeface="Tahoma" panose="020B0604030504040204" pitchFamily="34" charset="0"/>
+                <a:ea typeface="Tahoma" panose="020B0604030504040204" pitchFamily="34" charset="0"/>
+                <a:cs typeface="Tahoma" panose="020B0604030504040204" pitchFamily="34" charset="0"/>
+              </a:rPr>
+              <a:t>bạn</a:t>
+            </a:r>
+            <a:r>
+              <a:rPr lang="en-US" b="1" dirty="0">
+                <a:latin typeface="Tahoma" panose="020B0604030504040204" pitchFamily="34" charset="0"/>
+                <a:ea typeface="Tahoma" panose="020B0604030504040204" pitchFamily="34" charset="0"/>
+                <a:cs typeface="Tahoma" panose="020B0604030504040204" pitchFamily="34" charset="0"/>
+              </a:rPr>
+              <a:t> </a:t>
+            </a:r>
+            <a:r>
+              <a:rPr lang="en-US" b="1" dirty="0" err="1">
+                <a:latin typeface="Tahoma" panose="020B0604030504040204" pitchFamily="34" charset="0"/>
+                <a:ea typeface="Tahoma" panose="020B0604030504040204" pitchFamily="34" charset="0"/>
+                <a:cs typeface="Tahoma" panose="020B0604030504040204" pitchFamily="34" charset="0"/>
+              </a:rPr>
+              <a:t>suy</a:t>
+            </a:r>
+            <a:r>
+              <a:rPr lang="en-US" b="1" dirty="0">
+                <a:latin typeface="Tahoma" panose="020B0604030504040204" pitchFamily="34" charset="0"/>
+                <a:ea typeface="Tahoma" panose="020B0604030504040204" pitchFamily="34" charset="0"/>
+                <a:cs typeface="Tahoma" panose="020B0604030504040204" pitchFamily="34" charset="0"/>
+              </a:rPr>
+              <a:t> </a:t>
+            </a:r>
+            <a:r>
+              <a:rPr lang="en-US" b="1" dirty="0" err="1">
+                <a:latin typeface="Tahoma" panose="020B0604030504040204" pitchFamily="34" charset="0"/>
+                <a:ea typeface="Tahoma" panose="020B0604030504040204" pitchFamily="34" charset="0"/>
+                <a:cs typeface="Tahoma" panose="020B0604030504040204" pitchFamily="34" charset="0"/>
+              </a:rPr>
+              <a:t>nghĩ</a:t>
+            </a:r>
+            <a:r>
+              <a:rPr lang="en-US" b="1" dirty="0">
+                <a:latin typeface="Tahoma" panose="020B0604030504040204" pitchFamily="34" charset="0"/>
+                <a:ea typeface="Tahoma" panose="020B0604030504040204" pitchFamily="34" charset="0"/>
+                <a:cs typeface="Tahoma" panose="020B0604030504040204" pitchFamily="34" charset="0"/>
+              </a:rPr>
+              <a:t> </a:t>
+            </a:r>
+            <a:r>
+              <a:rPr lang="en-US" b="1" dirty="0" err="1">
+                <a:latin typeface="Tahoma" panose="020B0604030504040204" pitchFamily="34" charset="0"/>
+                <a:ea typeface="Tahoma" panose="020B0604030504040204" pitchFamily="34" charset="0"/>
+                <a:cs typeface="Tahoma" panose="020B0604030504040204" pitchFamily="34" charset="0"/>
+              </a:rPr>
+              <a:t>tiêu</a:t>
+            </a:r>
+            <a:r>
+              <a:rPr lang="en-US" b="1" dirty="0">
+                <a:latin typeface="Tahoma" panose="020B0604030504040204" pitchFamily="34" charset="0"/>
+                <a:ea typeface="Tahoma" panose="020B0604030504040204" pitchFamily="34" charset="0"/>
+                <a:cs typeface="Tahoma" panose="020B0604030504040204" pitchFamily="34" charset="0"/>
+              </a:rPr>
+              <a:t> </a:t>
+            </a:r>
+            <a:r>
+              <a:rPr lang="en-US" b="1" dirty="0" err="1">
+                <a:latin typeface="Tahoma" panose="020B0604030504040204" pitchFamily="34" charset="0"/>
+                <a:ea typeface="Tahoma" panose="020B0604030504040204" pitchFamily="34" charset="0"/>
+                <a:cs typeface="Tahoma" panose="020B0604030504040204" pitchFamily="34" charset="0"/>
+              </a:rPr>
+              <a:t>cực</a:t>
+            </a:r>
+            <a:endParaRPr lang="en-US" b="1" dirty="0">
+              <a:latin typeface="Tahoma" panose="020B0604030504040204" pitchFamily="34" charset="0"/>
+              <a:ea typeface="Tahoma" panose="020B0604030504040204" pitchFamily="34" charset="0"/>
+              <a:cs typeface="Tahoma" panose="020B0604030504040204" pitchFamily="34" charset="0"/>
+            </a:endParaRPr>
+          </a:p>
+          <a:p>
+            <a:r>
+              <a:rPr lang="en-US" b="1" dirty="0" err="1">
+                <a:latin typeface="Tahoma" panose="020B0604030504040204" pitchFamily="34" charset="0"/>
+                <a:ea typeface="Tahoma" panose="020B0604030504040204" pitchFamily="34" charset="0"/>
+                <a:cs typeface="Tahoma" panose="020B0604030504040204" pitchFamily="34" charset="0"/>
+              </a:rPr>
+              <a:t>Tác</a:t>
+            </a:r>
+            <a:r>
+              <a:rPr lang="en-US" b="1" dirty="0">
+                <a:latin typeface="Tahoma" panose="020B0604030504040204" pitchFamily="34" charset="0"/>
+                <a:ea typeface="Tahoma" panose="020B0604030504040204" pitchFamily="34" charset="0"/>
+                <a:cs typeface="Tahoma" panose="020B0604030504040204" pitchFamily="34" charset="0"/>
+              </a:rPr>
+              <a:t> </a:t>
+            </a:r>
+            <a:r>
+              <a:rPr lang="en-US" b="1" dirty="0" err="1">
+                <a:latin typeface="Tahoma" panose="020B0604030504040204" pitchFamily="34" charset="0"/>
+                <a:ea typeface="Tahoma" panose="020B0604030504040204" pitchFamily="34" charset="0"/>
+                <a:cs typeface="Tahoma" panose="020B0604030504040204" pitchFamily="34" charset="0"/>
+              </a:rPr>
+              <a:t>hại</a:t>
+            </a:r>
+            <a:r>
+              <a:rPr lang="en-US" b="1" dirty="0">
+                <a:latin typeface="Tahoma" panose="020B0604030504040204" pitchFamily="34" charset="0"/>
+                <a:ea typeface="Tahoma" panose="020B0604030504040204" pitchFamily="34" charset="0"/>
+                <a:cs typeface="Tahoma" panose="020B0604030504040204" pitchFamily="34" charset="0"/>
+              </a:rPr>
+              <a:t> </a:t>
+            </a:r>
+            <a:r>
+              <a:rPr lang="en-US" b="1" dirty="0" err="1">
+                <a:latin typeface="Tahoma" panose="020B0604030504040204" pitchFamily="34" charset="0"/>
+                <a:ea typeface="Tahoma" panose="020B0604030504040204" pitchFamily="34" charset="0"/>
+                <a:cs typeface="Tahoma" panose="020B0604030504040204" pitchFamily="34" charset="0"/>
+              </a:rPr>
+              <a:t>của</a:t>
+            </a:r>
+            <a:r>
+              <a:rPr lang="en-US" b="1" dirty="0">
+                <a:latin typeface="Tahoma" panose="020B0604030504040204" pitchFamily="34" charset="0"/>
+                <a:ea typeface="Tahoma" panose="020B0604030504040204" pitchFamily="34" charset="0"/>
+                <a:cs typeface="Tahoma" panose="020B0604030504040204" pitchFamily="34" charset="0"/>
+              </a:rPr>
+              <a:t> </a:t>
+            </a:r>
+            <a:r>
+              <a:rPr lang="en-US" b="1" dirty="0" err="1">
+                <a:latin typeface="Tahoma" panose="020B0604030504040204" pitchFamily="34" charset="0"/>
+                <a:ea typeface="Tahoma" panose="020B0604030504040204" pitchFamily="34" charset="0"/>
+                <a:cs typeface="Tahoma" panose="020B0604030504040204" pitchFamily="34" charset="0"/>
+              </a:rPr>
+              <a:t>mạng</a:t>
+            </a:r>
+            <a:r>
+              <a:rPr lang="en-US" b="1" dirty="0">
+                <a:latin typeface="Tahoma" panose="020B0604030504040204" pitchFamily="34" charset="0"/>
+                <a:ea typeface="Tahoma" panose="020B0604030504040204" pitchFamily="34" charset="0"/>
+                <a:cs typeface="Tahoma" panose="020B0604030504040204" pitchFamily="34" charset="0"/>
+              </a:rPr>
+              <a:t> </a:t>
+            </a:r>
+            <a:r>
+              <a:rPr lang="en-US" b="1" dirty="0" err="1">
+                <a:latin typeface="Tahoma" panose="020B0604030504040204" pitchFamily="34" charset="0"/>
+                <a:ea typeface="Tahoma" panose="020B0604030504040204" pitchFamily="34" charset="0"/>
+                <a:cs typeface="Tahoma" panose="020B0604030504040204" pitchFamily="34" charset="0"/>
+              </a:rPr>
+              <a:t>xã</a:t>
+            </a:r>
+            <a:r>
+              <a:rPr lang="en-US" b="1" dirty="0">
+                <a:latin typeface="Tahoma" panose="020B0604030504040204" pitchFamily="34" charset="0"/>
+                <a:ea typeface="Tahoma" panose="020B0604030504040204" pitchFamily="34" charset="0"/>
+                <a:cs typeface="Tahoma" panose="020B0604030504040204" pitchFamily="34" charset="0"/>
+              </a:rPr>
+              <a:t> </a:t>
+            </a:r>
+            <a:r>
+              <a:rPr lang="en-US" b="1" dirty="0" err="1">
+                <a:latin typeface="Tahoma" panose="020B0604030504040204" pitchFamily="34" charset="0"/>
+                <a:ea typeface="Tahoma" panose="020B0604030504040204" pitchFamily="34" charset="0"/>
+                <a:cs typeface="Tahoma" panose="020B0604030504040204" pitchFamily="34" charset="0"/>
+              </a:rPr>
+              <a:t>hội</a:t>
+            </a:r>
+            <a:r>
+              <a:rPr lang="en-US" b="1" dirty="0">
+                <a:latin typeface="Tahoma" panose="020B0604030504040204" pitchFamily="34" charset="0"/>
+                <a:ea typeface="Tahoma" panose="020B0604030504040204" pitchFamily="34" charset="0"/>
+                <a:cs typeface="Tahoma" panose="020B0604030504040204" pitchFamily="34" charset="0"/>
+              </a:rPr>
+              <a:t> </a:t>
+            </a:r>
+            <a:r>
+              <a:rPr lang="en-US" b="1" dirty="0" err="1">
+                <a:latin typeface="Tahoma" panose="020B0604030504040204" pitchFamily="34" charset="0"/>
+                <a:ea typeface="Tahoma" panose="020B0604030504040204" pitchFamily="34" charset="0"/>
+                <a:cs typeface="Tahoma" panose="020B0604030504040204" pitchFamily="34" charset="0"/>
+              </a:rPr>
+              <a:t>khiến</a:t>
+            </a:r>
+            <a:r>
+              <a:rPr lang="en-US" b="1" dirty="0">
+                <a:latin typeface="Tahoma" panose="020B0604030504040204" pitchFamily="34" charset="0"/>
+                <a:ea typeface="Tahoma" panose="020B0604030504040204" pitchFamily="34" charset="0"/>
+                <a:cs typeface="Tahoma" panose="020B0604030504040204" pitchFamily="34" charset="0"/>
+              </a:rPr>
+              <a:t> </a:t>
+            </a:r>
+            <a:r>
+              <a:rPr lang="en-US" b="1" dirty="0" err="1">
+                <a:latin typeface="Tahoma" panose="020B0604030504040204" pitchFamily="34" charset="0"/>
+                <a:ea typeface="Tahoma" panose="020B0604030504040204" pitchFamily="34" charset="0"/>
+                <a:cs typeface="Tahoma" panose="020B0604030504040204" pitchFamily="34" charset="0"/>
+              </a:rPr>
+              <a:t>bạn</a:t>
+            </a:r>
+            <a:r>
+              <a:rPr lang="en-US" b="1" dirty="0">
+                <a:latin typeface="Tahoma" panose="020B0604030504040204" pitchFamily="34" charset="0"/>
+                <a:ea typeface="Tahoma" panose="020B0604030504040204" pitchFamily="34" charset="0"/>
+                <a:cs typeface="Tahoma" panose="020B0604030504040204" pitchFamily="34" charset="0"/>
+              </a:rPr>
+              <a:t> </a:t>
+            </a:r>
+            <a:r>
+              <a:rPr lang="en-US" b="1" dirty="0" err="1">
+                <a:latin typeface="Tahoma" panose="020B0604030504040204" pitchFamily="34" charset="0"/>
+                <a:ea typeface="Tahoma" panose="020B0604030504040204" pitchFamily="34" charset="0"/>
+                <a:cs typeface="Tahoma" panose="020B0604030504040204" pitchFamily="34" charset="0"/>
+              </a:rPr>
+              <a:t>trở</a:t>
+            </a:r>
+            <a:r>
+              <a:rPr lang="en-US" b="1" dirty="0">
+                <a:latin typeface="Tahoma" panose="020B0604030504040204" pitchFamily="34" charset="0"/>
+                <a:ea typeface="Tahoma" panose="020B0604030504040204" pitchFamily="34" charset="0"/>
+                <a:cs typeface="Tahoma" panose="020B0604030504040204" pitchFamily="34" charset="0"/>
+              </a:rPr>
+              <a:t> </a:t>
+            </a:r>
+            <a:r>
+              <a:rPr lang="en-US" b="1" dirty="0" err="1">
+                <a:latin typeface="Tahoma" panose="020B0604030504040204" pitchFamily="34" charset="0"/>
+                <a:ea typeface="Tahoma" panose="020B0604030504040204" pitchFamily="34" charset="0"/>
+                <a:cs typeface="Tahoma" panose="020B0604030504040204" pitchFamily="34" charset="0"/>
+              </a:rPr>
+              <a:t>nên</a:t>
+            </a:r>
+            <a:r>
+              <a:rPr lang="en-US" b="1" dirty="0">
+                <a:latin typeface="Tahoma" panose="020B0604030504040204" pitchFamily="34" charset="0"/>
+                <a:ea typeface="Tahoma" panose="020B0604030504040204" pitchFamily="34" charset="0"/>
+                <a:cs typeface="Tahoma" panose="020B0604030504040204" pitchFamily="34" charset="0"/>
+              </a:rPr>
+              <a:t> </a:t>
+            </a:r>
+            <a:r>
+              <a:rPr lang="en-US" b="1" dirty="0" err="1">
+                <a:latin typeface="Tahoma" panose="020B0604030504040204" pitchFamily="34" charset="0"/>
+                <a:ea typeface="Tahoma" panose="020B0604030504040204" pitchFamily="34" charset="0"/>
+                <a:cs typeface="Tahoma" panose="020B0604030504040204" pitchFamily="34" charset="0"/>
+              </a:rPr>
+              <a:t>tự</a:t>
+            </a:r>
+            <a:r>
+              <a:rPr lang="en-US" b="1" dirty="0">
+                <a:latin typeface="Tahoma" panose="020B0604030504040204" pitchFamily="34" charset="0"/>
+                <a:ea typeface="Tahoma" panose="020B0604030504040204" pitchFamily="34" charset="0"/>
+                <a:cs typeface="Tahoma" panose="020B0604030504040204" pitchFamily="34" charset="0"/>
+              </a:rPr>
+              <a:t> </a:t>
+            </a:r>
+            <a:r>
+              <a:rPr lang="en-US" b="1" dirty="0" err="1">
+                <a:latin typeface="Tahoma" panose="020B0604030504040204" pitchFamily="34" charset="0"/>
+                <a:ea typeface="Tahoma" panose="020B0604030504040204" pitchFamily="34" charset="0"/>
+                <a:cs typeface="Tahoma" panose="020B0604030504040204" pitchFamily="34" charset="0"/>
+              </a:rPr>
+              <a:t>ti</a:t>
+            </a:r>
+            <a:endParaRPr lang="en-US" b="1" dirty="0">
+              <a:latin typeface="Tahoma" panose="020B0604030504040204" pitchFamily="34" charset="0"/>
+              <a:ea typeface="Tahoma" panose="020B0604030504040204" pitchFamily="34" charset="0"/>
+              <a:cs typeface="Tahoma" panose="020B0604030504040204" pitchFamily="34" charset="0"/>
+            </a:endParaRPr>
+          </a:p>
+          <a:p>
+            <a:r>
+              <a:rPr lang="en-US" b="1" dirty="0" err="1">
+                <a:latin typeface="Tahoma" panose="020B0604030504040204" pitchFamily="34" charset="0"/>
+                <a:ea typeface="Tahoma" panose="020B0604030504040204" pitchFamily="34" charset="0"/>
+                <a:cs typeface="Tahoma" panose="020B0604030504040204" pitchFamily="34" charset="0"/>
+              </a:rPr>
+              <a:t>Tác</a:t>
+            </a:r>
+            <a:r>
+              <a:rPr lang="en-US" b="1" dirty="0">
+                <a:latin typeface="Tahoma" panose="020B0604030504040204" pitchFamily="34" charset="0"/>
+                <a:ea typeface="Tahoma" panose="020B0604030504040204" pitchFamily="34" charset="0"/>
+                <a:cs typeface="Tahoma" panose="020B0604030504040204" pitchFamily="34" charset="0"/>
+              </a:rPr>
+              <a:t> </a:t>
+            </a:r>
+            <a:r>
+              <a:rPr lang="en-US" b="1" dirty="0" err="1">
+                <a:latin typeface="Tahoma" panose="020B0604030504040204" pitchFamily="34" charset="0"/>
+                <a:ea typeface="Tahoma" panose="020B0604030504040204" pitchFamily="34" charset="0"/>
+                <a:cs typeface="Tahoma" panose="020B0604030504040204" pitchFamily="34" charset="0"/>
+              </a:rPr>
+              <a:t>hại</a:t>
+            </a:r>
+            <a:r>
+              <a:rPr lang="en-US" b="1" dirty="0">
+                <a:latin typeface="Tahoma" panose="020B0604030504040204" pitchFamily="34" charset="0"/>
+                <a:ea typeface="Tahoma" panose="020B0604030504040204" pitchFamily="34" charset="0"/>
+                <a:cs typeface="Tahoma" panose="020B0604030504040204" pitchFamily="34" charset="0"/>
+              </a:rPr>
+              <a:t> </a:t>
+            </a:r>
+            <a:r>
+              <a:rPr lang="en-US" b="1" dirty="0" err="1">
+                <a:latin typeface="Tahoma" panose="020B0604030504040204" pitchFamily="34" charset="0"/>
+                <a:ea typeface="Tahoma" panose="020B0604030504040204" pitchFamily="34" charset="0"/>
+                <a:cs typeface="Tahoma" panose="020B0604030504040204" pitchFamily="34" charset="0"/>
+              </a:rPr>
+              <a:t>của</a:t>
+            </a:r>
+            <a:r>
+              <a:rPr lang="en-US" b="1" dirty="0">
+                <a:latin typeface="Tahoma" panose="020B0604030504040204" pitchFamily="34" charset="0"/>
+                <a:ea typeface="Tahoma" panose="020B0604030504040204" pitchFamily="34" charset="0"/>
+                <a:cs typeface="Tahoma" panose="020B0604030504040204" pitchFamily="34" charset="0"/>
+              </a:rPr>
+              <a:t> </a:t>
+            </a:r>
+            <a:r>
+              <a:rPr lang="en-US" b="1" dirty="0" err="1">
+                <a:latin typeface="Tahoma" panose="020B0604030504040204" pitchFamily="34" charset="0"/>
+                <a:ea typeface="Tahoma" panose="020B0604030504040204" pitchFamily="34" charset="0"/>
+                <a:cs typeface="Tahoma" panose="020B0604030504040204" pitchFamily="34" charset="0"/>
+              </a:rPr>
+              <a:t>mạng</a:t>
+            </a:r>
+            <a:r>
+              <a:rPr lang="en-US" b="1" dirty="0">
+                <a:latin typeface="Tahoma" panose="020B0604030504040204" pitchFamily="34" charset="0"/>
+                <a:ea typeface="Tahoma" panose="020B0604030504040204" pitchFamily="34" charset="0"/>
+                <a:cs typeface="Tahoma" panose="020B0604030504040204" pitchFamily="34" charset="0"/>
+              </a:rPr>
+              <a:t> </a:t>
+            </a:r>
+            <a:r>
+              <a:rPr lang="en-US" b="1" dirty="0" err="1">
+                <a:latin typeface="Tahoma" panose="020B0604030504040204" pitchFamily="34" charset="0"/>
+                <a:ea typeface="Tahoma" panose="020B0604030504040204" pitchFamily="34" charset="0"/>
+                <a:cs typeface="Tahoma" panose="020B0604030504040204" pitchFamily="34" charset="0"/>
+              </a:rPr>
+              <a:t>xã</a:t>
+            </a:r>
+            <a:r>
+              <a:rPr lang="en-US" b="1" dirty="0">
+                <a:latin typeface="Tahoma" panose="020B0604030504040204" pitchFamily="34" charset="0"/>
+                <a:ea typeface="Tahoma" panose="020B0604030504040204" pitchFamily="34" charset="0"/>
+                <a:cs typeface="Tahoma" panose="020B0604030504040204" pitchFamily="34" charset="0"/>
+              </a:rPr>
+              <a:t> </a:t>
+            </a:r>
+            <a:r>
+              <a:rPr lang="en-US" b="1" dirty="0" err="1">
+                <a:latin typeface="Tahoma" panose="020B0604030504040204" pitchFamily="34" charset="0"/>
+                <a:ea typeface="Tahoma" panose="020B0604030504040204" pitchFamily="34" charset="0"/>
+                <a:cs typeface="Tahoma" panose="020B0604030504040204" pitchFamily="34" charset="0"/>
+              </a:rPr>
+              <a:t>hội</a:t>
+            </a:r>
+            <a:r>
+              <a:rPr lang="en-US" b="1" dirty="0">
+                <a:latin typeface="Tahoma" panose="020B0604030504040204" pitchFamily="34" charset="0"/>
+                <a:ea typeface="Tahoma" panose="020B0604030504040204" pitchFamily="34" charset="0"/>
+                <a:cs typeface="Tahoma" panose="020B0604030504040204" pitchFamily="34" charset="0"/>
+              </a:rPr>
+              <a:t> </a:t>
+            </a:r>
+            <a:r>
+              <a:rPr lang="en-US" b="1" dirty="0" err="1">
+                <a:latin typeface="Tahoma" panose="020B0604030504040204" pitchFamily="34" charset="0"/>
+                <a:ea typeface="Tahoma" panose="020B0604030504040204" pitchFamily="34" charset="0"/>
+                <a:cs typeface="Tahoma" panose="020B0604030504040204" pitchFamily="34" charset="0"/>
+              </a:rPr>
+              <a:t>làm</a:t>
+            </a:r>
+            <a:r>
+              <a:rPr lang="en-US" b="1" dirty="0">
+                <a:latin typeface="Tahoma" panose="020B0604030504040204" pitchFamily="34" charset="0"/>
+                <a:ea typeface="Tahoma" panose="020B0604030504040204" pitchFamily="34" charset="0"/>
+                <a:cs typeface="Tahoma" panose="020B0604030504040204" pitchFamily="34" charset="0"/>
+              </a:rPr>
+              <a:t> </a:t>
+            </a:r>
+            <a:r>
+              <a:rPr lang="en-US" b="1" dirty="0" err="1">
+                <a:latin typeface="Tahoma" panose="020B0604030504040204" pitchFamily="34" charset="0"/>
+                <a:ea typeface="Tahoma" panose="020B0604030504040204" pitchFamily="34" charset="0"/>
+                <a:cs typeface="Tahoma" panose="020B0604030504040204" pitchFamily="34" charset="0"/>
+              </a:rPr>
+              <a:t>bạn</a:t>
+            </a:r>
+            <a:r>
+              <a:rPr lang="en-US" b="1" dirty="0">
+                <a:latin typeface="Tahoma" panose="020B0604030504040204" pitchFamily="34" charset="0"/>
+                <a:ea typeface="Tahoma" panose="020B0604030504040204" pitchFamily="34" charset="0"/>
+                <a:cs typeface="Tahoma" panose="020B0604030504040204" pitchFamily="34" charset="0"/>
+              </a:rPr>
+              <a:t> </a:t>
+            </a:r>
+            <a:r>
+              <a:rPr lang="en-US" b="1" dirty="0" err="1">
+                <a:latin typeface="Tahoma" panose="020B0604030504040204" pitchFamily="34" charset="0"/>
+                <a:ea typeface="Tahoma" panose="020B0604030504040204" pitchFamily="34" charset="0"/>
+                <a:cs typeface="Tahoma" panose="020B0604030504040204" pitchFamily="34" charset="0"/>
+              </a:rPr>
+              <a:t>mất</a:t>
+            </a:r>
+            <a:r>
+              <a:rPr lang="en-US" b="1" dirty="0">
+                <a:latin typeface="Tahoma" panose="020B0604030504040204" pitchFamily="34" charset="0"/>
+                <a:ea typeface="Tahoma" panose="020B0604030504040204" pitchFamily="34" charset="0"/>
+                <a:cs typeface="Tahoma" panose="020B0604030504040204" pitchFamily="34" charset="0"/>
+              </a:rPr>
+              <a:t> </a:t>
+            </a:r>
+            <a:r>
+              <a:rPr lang="en-US" b="1" dirty="0" err="1">
+                <a:latin typeface="Tahoma" panose="020B0604030504040204" pitchFamily="34" charset="0"/>
+                <a:ea typeface="Tahoma" panose="020B0604030504040204" pitchFamily="34" charset="0"/>
+                <a:cs typeface="Tahoma" panose="020B0604030504040204" pitchFamily="34" charset="0"/>
+              </a:rPr>
+              <a:t>ngủ</a:t>
+            </a:r>
+            <a:endParaRPr lang="en-US" b="1" dirty="0">
+              <a:latin typeface="Tahoma" panose="020B0604030504040204" pitchFamily="34" charset="0"/>
+              <a:ea typeface="Tahoma" panose="020B0604030504040204" pitchFamily="34" charset="0"/>
+              <a:cs typeface="Tahoma" panose="020B0604030504040204" pitchFamily="34" charset="0"/>
+            </a:endParaRPr>
+          </a:p>
+          <a:p>
+            <a:r>
+              <a:rPr lang="vi-VN" b="1" dirty="0" smtClean="0"/>
               <a:t>Thường </a:t>
             </a:r>
             <a:r>
-              <a:rPr lang="vi-VN" b="1"/>
+              <a:rPr lang="vi-VN" b="1" dirty="0"/>
               <a:t>xuyên so sánh bản thân với người khác</a:t>
             </a:r>
           </a:p>
           <a:p>
             <a:r>
-              <a:rPr lang="vi-VN" b="1" smtClean="0"/>
+              <a:rPr lang="vi-VN" b="1" dirty="0" smtClean="0"/>
               <a:t>Quyền </a:t>
             </a:r>
             <a:r>
-              <a:rPr lang="vi-VN" b="1"/>
+              <a:rPr lang="vi-VN" b="1" dirty="0"/>
               <a:t>riêng </a:t>
             </a:r>
             <a:r>
-              <a:rPr lang="vi-VN" b="1" smtClean="0"/>
+              <a:rPr lang="vi-VN" b="1" dirty="0" smtClean="0"/>
               <a:t>tư</a:t>
             </a:r>
-            <a:endParaRPr lang="en-US" b="1" smtClean="0"/>
-          </a:p>
-          <a:p>
-            <a:r>
-              <a:rPr lang="vi-VN" b="1"/>
-              <a:t>Tình yêu dễ </a:t>
-            </a:r>
-            <a:r>
-              <a:rPr lang="vi-VN" b="1"/>
-              <a:t>đổ </a:t>
-            </a:r>
-            <a:r>
-              <a:rPr lang="vi-VN" b="1" smtClean="0"/>
+            <a:endParaRPr lang="en-US" b="1" dirty="0" smtClean="0"/>
+          </a:p>
+          <a:p>
+            <a:r>
+              <a:rPr lang="vi-VN" b="1" dirty="0"/>
+              <a:t>Tình yêu dễ đổ </a:t>
+            </a:r>
+            <a:r>
+              <a:rPr lang="vi-VN" b="1" dirty="0" smtClean="0"/>
               <a:t>vỡ</a:t>
             </a:r>
-            <a:endParaRPr lang="vi-VN" b="1"/>
+            <a:endParaRPr lang="vi-VN" b="1" dirty="0"/>
           </a:p>
         </p:txBody>
       </p:sp>
@@ -23886,9 +24441,16 @@
 <file path=customXml/itemProps1.xml><?xml version="1.0" encoding="utf-8"?>
 <ds:datastoreItem xmlns:ds="http://schemas.openxmlformats.org/officeDocument/2006/customXml" ds:itemID="{2940343A-75DB-4E03-95EA-4A75BA0D7FF2}">
   <ds:schemaRefs>
+    <ds:schemaRef ds:uri="http://schemas.microsoft.com/office/infopath/2007/PartnerControls"/>
+    <ds:schemaRef ds:uri="http://purl.org/dc/elements/1.1/"/>
     <ds:schemaRef ds:uri="http://schemas.microsoft.com/office/2006/metadata/properties"/>
-    <ds:schemaRef ds:uri="http://schemas.microsoft.com/office/infopath/2007/PartnerControls"/>
+    <ds:schemaRef ds:uri="http://purl.org/dc/terms/"/>
+    <ds:schemaRef ds:uri="http://schemas.openxmlformats.org/package/2006/metadata/core-properties"/>
+    <ds:schemaRef ds:uri="16c05727-aa75-4e4a-9b5f-8a80a1165891"/>
+    <ds:schemaRef ds:uri="http://schemas.microsoft.com/office/2006/documentManagement/types"/>
     <ds:schemaRef ds:uri="71af3243-3dd4-4a8d-8c0d-dd76da1f02a5"/>
+    <ds:schemaRef ds:uri="http://www.w3.org/XML/1998/namespace"/>
+    <ds:schemaRef ds:uri="http://purl.org/dc/dcmitype/"/>
   </ds:schemaRefs>
 </ds:datastoreItem>
 </file>
